--- a/LOG/01110.pptx
+++ b/LOG/01110.pptx
@@ -6,9 +6,12 @@
   </p:sldMasterIdLst>
   <p:sldIdLst>
     <p:sldId id="256" r:id="rId2"/>
-    <p:sldId id="259" r:id="rId3"/>
-    <p:sldId id="257" r:id="rId4"/>
-    <p:sldId id="258" r:id="rId5"/>
+    <p:sldId id="260" r:id="rId3"/>
+    <p:sldId id="261" r:id="rId4"/>
+    <p:sldId id="262" r:id="rId5"/>
+    <p:sldId id="257" r:id="rId6"/>
+    <p:sldId id="259" r:id="rId7"/>
+    <p:sldId id="258" r:id="rId8"/>
   </p:sldIdLst>
   <p:sldSz cx="12192000" cy="6858000"/>
   <p:notesSz cx="6858000" cy="9144000"/>
@@ -107,6 +110,11 @@
       </a:defRPr>
     </a:lvl9pPr>
   </p:defaultTextStyle>
+  <p:extLst>
+    <p:ext uri="{EFAFB233-063F-42B5-8137-9DF3F51BA10A}">
+      <p15:sldGuideLst xmlns:p15="http://schemas.microsoft.com/office/powerpoint/2012/main"/>
+    </p:ext>
+  </p:extLst>
 </p:presentation>
 </file>
 
@@ -257,7 +265,7 @@
           <a:p>
             <a:fld id="{D49A6FB5-55E2-45B7-BA3D-D9415229888A}" type="datetimeFigureOut">
               <a:rPr lang="zh-TW" altLang="en-US" smtClean="0"/>
-              <a:t>2025/1/10</a:t>
+              <a:t>2025/1/15</a:t>
             </a:fld>
             <a:endParaRPr lang="zh-TW" altLang="en-US"/>
           </a:p>
@@ -455,7 +463,7 @@
           <a:p>
             <a:fld id="{D49A6FB5-55E2-45B7-BA3D-D9415229888A}" type="datetimeFigureOut">
               <a:rPr lang="zh-TW" altLang="en-US" smtClean="0"/>
-              <a:t>2025/1/10</a:t>
+              <a:t>2025/1/15</a:t>
             </a:fld>
             <a:endParaRPr lang="zh-TW" altLang="en-US"/>
           </a:p>
@@ -663,7 +671,7 @@
           <a:p>
             <a:fld id="{D49A6FB5-55E2-45B7-BA3D-D9415229888A}" type="datetimeFigureOut">
               <a:rPr lang="zh-TW" altLang="en-US" smtClean="0"/>
-              <a:t>2025/1/10</a:t>
+              <a:t>2025/1/15</a:t>
             </a:fld>
             <a:endParaRPr lang="zh-TW" altLang="en-US"/>
           </a:p>
@@ -861,7 +869,7 @@
           <a:p>
             <a:fld id="{D49A6FB5-55E2-45B7-BA3D-D9415229888A}" type="datetimeFigureOut">
               <a:rPr lang="zh-TW" altLang="en-US" smtClean="0"/>
-              <a:t>2025/1/10</a:t>
+              <a:t>2025/1/15</a:t>
             </a:fld>
             <a:endParaRPr lang="zh-TW" altLang="en-US"/>
           </a:p>
@@ -1136,7 +1144,7 @@
           <a:p>
             <a:fld id="{D49A6FB5-55E2-45B7-BA3D-D9415229888A}" type="datetimeFigureOut">
               <a:rPr lang="zh-TW" altLang="en-US" smtClean="0"/>
-              <a:t>2025/1/10</a:t>
+              <a:t>2025/1/15</a:t>
             </a:fld>
             <a:endParaRPr lang="zh-TW" altLang="en-US"/>
           </a:p>
@@ -1401,7 +1409,7 @@
           <a:p>
             <a:fld id="{D49A6FB5-55E2-45B7-BA3D-D9415229888A}" type="datetimeFigureOut">
               <a:rPr lang="zh-TW" altLang="en-US" smtClean="0"/>
-              <a:t>2025/1/10</a:t>
+              <a:t>2025/1/15</a:t>
             </a:fld>
             <a:endParaRPr lang="zh-TW" altLang="en-US"/>
           </a:p>
@@ -1813,7 +1821,7 @@
           <a:p>
             <a:fld id="{D49A6FB5-55E2-45B7-BA3D-D9415229888A}" type="datetimeFigureOut">
               <a:rPr lang="zh-TW" altLang="en-US" smtClean="0"/>
-              <a:t>2025/1/10</a:t>
+              <a:t>2025/1/15</a:t>
             </a:fld>
             <a:endParaRPr lang="zh-TW" altLang="en-US"/>
           </a:p>
@@ -1954,7 +1962,7 @@
           <a:p>
             <a:fld id="{D49A6FB5-55E2-45B7-BA3D-D9415229888A}" type="datetimeFigureOut">
               <a:rPr lang="zh-TW" altLang="en-US" smtClean="0"/>
-              <a:t>2025/1/10</a:t>
+              <a:t>2025/1/15</a:t>
             </a:fld>
             <a:endParaRPr lang="zh-TW" altLang="en-US"/>
           </a:p>
@@ -2067,7 +2075,7 @@
           <a:p>
             <a:fld id="{D49A6FB5-55E2-45B7-BA3D-D9415229888A}" type="datetimeFigureOut">
               <a:rPr lang="zh-TW" altLang="en-US" smtClean="0"/>
-              <a:t>2025/1/10</a:t>
+              <a:t>2025/1/15</a:t>
             </a:fld>
             <a:endParaRPr lang="zh-TW" altLang="en-US"/>
           </a:p>
@@ -2378,7 +2386,7 @@
           <a:p>
             <a:fld id="{D49A6FB5-55E2-45B7-BA3D-D9415229888A}" type="datetimeFigureOut">
               <a:rPr lang="zh-TW" altLang="en-US" smtClean="0"/>
-              <a:t>2025/1/10</a:t>
+              <a:t>2025/1/15</a:t>
             </a:fld>
             <a:endParaRPr lang="zh-TW" altLang="en-US"/>
           </a:p>
@@ -2666,7 +2674,7 @@
           <a:p>
             <a:fld id="{D49A6FB5-55E2-45B7-BA3D-D9415229888A}" type="datetimeFigureOut">
               <a:rPr lang="zh-TW" altLang="en-US" smtClean="0"/>
-              <a:t>2025/1/10</a:t>
+              <a:t>2025/1/15</a:t>
             </a:fld>
             <a:endParaRPr lang="zh-TW" altLang="en-US"/>
           </a:p>
@@ -2907,7 +2915,7 @@
           <a:p>
             <a:fld id="{D49A6FB5-55E2-45B7-BA3D-D9415229888A}" type="datetimeFigureOut">
               <a:rPr lang="zh-TW" altLang="en-US" smtClean="0"/>
-              <a:t>2025/1/10</a:t>
+              <a:t>2025/1/15</a:t>
             </a:fld>
             <a:endParaRPr lang="zh-TW" altLang="en-US"/>
           </a:p>
@@ -3409,7 +3417,7 @@
           <p:cNvPr id="2" name="標題 1">
             <a:extLst>
               <a:ext uri="{FF2B5EF4-FFF2-40B4-BE49-F238E27FC236}">
-                <a16:creationId xmlns:a16="http://schemas.microsoft.com/office/drawing/2014/main" id="{8A9E79F7-5D1F-6F4E-1D79-470F1FA9FF94}"/>
+                <a16:creationId xmlns:a16="http://schemas.microsoft.com/office/drawing/2014/main" id="{884AD931-0812-DD22-24A6-C974DEBB2D12}"/>
               </a:ext>
             </a:extLst>
           </p:cNvPr>
@@ -3425,7 +3433,11 @@
           <a:bodyPr/>
           <a:lstStyle/>
           <a:p>
-            <a:endParaRPr lang="zh-TW" altLang="en-US"/>
+            <a:r>
+              <a:rPr lang="en-US" altLang="zh-TW" dirty="0"/>
+              <a:t>HW</a:t>
+            </a:r>
+            <a:endParaRPr lang="zh-TW" altLang="en-US" dirty="0"/>
           </a:p>
         </p:txBody>
       </p:sp>
@@ -3434,7 +3446,7 @@
           <p:cNvPr id="3" name="內容版面配置區 2">
             <a:extLst>
               <a:ext uri="{FF2B5EF4-FFF2-40B4-BE49-F238E27FC236}">
-                <a16:creationId xmlns:a16="http://schemas.microsoft.com/office/drawing/2014/main" id="{30265422-016E-5B45-3E89-9B273B8AB47E}"/>
+                <a16:creationId xmlns:a16="http://schemas.microsoft.com/office/drawing/2014/main" id="{6C33E1F7-22BD-8B24-BCBA-0B0B75EE965D}"/>
               </a:ext>
             </a:extLst>
           </p:cNvPr>
@@ -3445,30 +3457,267 @@
             <p:ph idx="1"/>
           </p:nvPr>
         </p:nvSpPr>
-        <p:spPr/>
-        <p:txBody>
-          <a:bodyPr/>
-          <a:lstStyle/>
-          <a:p>
-            <a:r>
-              <a:rPr lang="zh-TW" altLang="en-US" dirty="0"/>
-              <a:t>物件導向 </a:t>
-            </a:r>
-            <a:r>
-              <a:rPr lang="en-US" altLang="zh-TW" dirty="0"/>
-              <a:t>VS </a:t>
-            </a:r>
-            <a:r>
-              <a:rPr lang="zh-TW" altLang="en-US" dirty="0"/>
+        <p:spPr>
+          <a:xfrm>
+            <a:off x="838200" y="1317624"/>
+            <a:ext cx="10515600" cy="4976737"/>
+          </a:xfrm>
+        </p:spPr>
+        <p:txBody>
+          <a:bodyPr>
+            <a:normAutofit lnSpcReduction="10000"/>
+          </a:bodyPr>
+          <a:lstStyle/>
+          <a:p>
+            <a:r>
+              <a:rPr lang="en-US" altLang="zh-TW" sz="2000" dirty="0"/>
+              <a:t>LIST : </a:t>
+            </a:r>
+            <a:r>
+              <a:rPr lang="en-US" altLang="zh-TW" sz="2000" dirty="0">
+                <a:hlinkClick r:id="rId2"/>
+              </a:rPr>
+              <a:t>https://blog.csdn.net/weixin_44996090/article/details/135438369</a:t>
+            </a:r>
+            <a:endParaRPr lang="en-US" altLang="zh-TW" sz="2000" dirty="0"/>
+          </a:p>
+          <a:p>
+            <a:r>
+              <a:rPr lang="zh-TW" altLang="en-US" sz="2000" dirty="0"/>
+              <a:t>快樂數</a:t>
+            </a:r>
+            <a:endParaRPr lang="en-US" altLang="zh-TW" sz="2000" dirty="0"/>
+          </a:p>
+          <a:p>
+            <a:pPr marL="0" indent="0">
+              <a:buNone/>
+            </a:pPr>
+            <a:r>
+              <a:rPr lang="en-US" altLang="zh-TW" sz="2000" dirty="0">
+                <a:hlinkClick r:id="rId3"/>
+              </a:rPr>
+              <a:t>https://zh.wikipedia.org/zh-tw/%E5%BF%AB%E6%A8%82%E6%95%B8</a:t>
+            </a:r>
+            <a:endParaRPr lang="en-US" altLang="zh-TW" sz="2000" dirty="0"/>
+          </a:p>
+          <a:p>
+            <a:pPr marL="0" indent="0">
+              <a:buNone/>
+            </a:pPr>
+            <a:r>
+              <a:rPr lang="zh-TW" altLang="en-US" sz="2000" dirty="0"/>
+              <a:t>不用字串</a:t>
+            </a:r>
+            <a:r>
+              <a:rPr lang="en-US" altLang="zh-TW" sz="2000" dirty="0"/>
+              <a:t>&amp;</a:t>
+            </a:r>
+            <a:r>
+              <a:rPr lang="zh-TW" altLang="en-US" sz="2000" dirty="0"/>
+              <a:t>用字串兩種方式實作</a:t>
+            </a:r>
+          </a:p>
+          <a:p>
+            <a:endParaRPr lang="en-US" altLang="zh-TW" sz="2000" dirty="0"/>
+          </a:p>
+          <a:p>
+            <a:r>
+              <a:rPr lang="zh-TW" altLang="en-US" sz="2000" dirty="0"/>
               <a:t>功能拆分</a:t>
             </a:r>
+            <a:r>
+              <a:rPr lang="en-US" altLang="zh-TW" sz="2000" dirty="0"/>
+              <a:t>:</a:t>
+            </a:r>
+          </a:p>
+          <a:p>
+            <a:pPr marL="0" indent="0">
+              <a:buNone/>
+            </a:pPr>
+            <a:r>
+              <a:rPr lang="en-US" altLang="zh-TW" sz="2000" dirty="0"/>
+              <a:t>1.</a:t>
+            </a:r>
+            <a:r>
+              <a:rPr lang="zh-TW" altLang="en-US" sz="2000" dirty="0"/>
+              <a:t>遍歷每一個位數</a:t>
+            </a:r>
+            <a:r>
+              <a:rPr lang="en-US" altLang="zh-TW" sz="2000" dirty="0"/>
+              <a:t>(</a:t>
+            </a:r>
+            <a:r>
+              <a:rPr lang="zh-TW" altLang="en-US" sz="2000" dirty="0"/>
+              <a:t>字串 </a:t>
+            </a:r>
+            <a:r>
+              <a:rPr lang="en-US" altLang="zh-TW" sz="2000" dirty="0"/>
+              <a:t>or </a:t>
+            </a:r>
+            <a:r>
+              <a:rPr lang="zh-TW" altLang="en-US" sz="2000" dirty="0"/>
+              <a:t>數字</a:t>
+            </a:r>
+            <a:r>
+              <a:rPr lang="en-US" altLang="zh-TW" sz="2000" dirty="0"/>
+              <a:t>)</a:t>
+            </a:r>
+            <a:r>
+              <a:rPr lang="zh-TW" altLang="en-US" sz="2000" dirty="0"/>
+              <a:t>，儲存為一個字元矩陣或 </a:t>
+            </a:r>
+            <a:r>
+              <a:rPr lang="en-US" altLang="zh-TW" sz="2000" dirty="0"/>
+              <a:t>int </a:t>
+            </a:r>
+            <a:r>
+              <a:rPr lang="zh-TW" altLang="en-US" sz="2000" dirty="0"/>
+              <a:t>矩陣</a:t>
+            </a:r>
+            <a:endParaRPr lang="en-US" altLang="zh-TW" sz="2000" dirty="0"/>
+          </a:p>
+          <a:p>
+            <a:pPr marL="0" indent="0">
+              <a:buNone/>
+            </a:pPr>
+            <a:r>
+              <a:rPr lang="en-US" altLang="zh-TW" sz="2000" dirty="0"/>
+              <a:t>2.</a:t>
+            </a:r>
+            <a:r>
+              <a:rPr lang="zh-TW" altLang="en-US" sz="2000" dirty="0"/>
+              <a:t>迴圈 </a:t>
+            </a:r>
+            <a:r>
+              <a:rPr lang="en-US" altLang="zh-TW" sz="2000" dirty="0"/>
+              <a:t>:</a:t>
+            </a:r>
+            <a:r>
+              <a:rPr lang="zh-TW" altLang="en-US" sz="2000" dirty="0"/>
+              <a:t> 把矩陣內的每一位數平方相加。 跳出條件 </a:t>
+            </a:r>
+            <a:r>
+              <a:rPr lang="en-US" altLang="zh-TW" sz="2000" dirty="0"/>
+              <a:t>:</a:t>
+            </a:r>
+            <a:r>
+              <a:rPr lang="zh-TW" altLang="en-US" sz="2000" dirty="0"/>
+              <a:t>判斷為快樂數</a:t>
+            </a:r>
+            <a:r>
+              <a:rPr lang="en-US" altLang="zh-TW" sz="2000" dirty="0"/>
+              <a:t>(</a:t>
+            </a:r>
+            <a:r>
+              <a:rPr lang="zh-TW" altLang="en-US" sz="2000" dirty="0"/>
+              <a:t>出現</a:t>
+            </a:r>
+            <a:r>
+              <a:rPr lang="en-US" altLang="zh-TW" sz="2000" dirty="0"/>
+              <a:t>1)</a:t>
+            </a:r>
+            <a:r>
+              <a:rPr lang="zh-TW" altLang="en-US" sz="2000" dirty="0"/>
+              <a:t>或出現重複結果</a:t>
+            </a:r>
+            <a:r>
+              <a:rPr lang="en-US" altLang="zh-TW" sz="2000" dirty="0"/>
+              <a:t>(</a:t>
+            </a:r>
+            <a:r>
+              <a:rPr lang="zh-TW" altLang="en-US" sz="2000" dirty="0"/>
+              <a:t>出現</a:t>
+            </a:r>
+            <a:r>
+              <a:rPr lang="en-US" altLang="zh-TW" sz="2000" dirty="0"/>
+              <a:t>4)</a:t>
+            </a:r>
+            <a:r>
+              <a:rPr lang="zh-TW" altLang="en-US" sz="2000" dirty="0"/>
+              <a:t>。</a:t>
+            </a:r>
+            <a:endParaRPr lang="en-US" altLang="zh-TW" sz="2000" dirty="0"/>
+          </a:p>
+          <a:p>
+            <a:pPr marL="0" indent="0">
+              <a:buNone/>
+            </a:pPr>
+            <a:r>
+              <a:rPr lang="en-US" altLang="zh-TW" sz="2000" dirty="0"/>
+              <a:t>10012356489.</a:t>
+            </a:r>
+          </a:p>
+          <a:p>
+            <a:pPr marL="0" indent="0">
+              <a:buNone/>
+            </a:pPr>
+            <a:r>
+              <a:rPr lang="en-US" altLang="zh-TW" sz="2000" dirty="0"/>
+              <a:t>1.mod10</a:t>
+            </a:r>
+          </a:p>
+          <a:p>
+            <a:pPr marL="0" indent="0">
+              <a:buNone/>
+            </a:pPr>
+            <a:r>
+              <a:rPr lang="en-US" altLang="zh-TW" sz="2000" dirty="0"/>
+              <a:t>2.</a:t>
+            </a:r>
+            <a:r>
+              <a:rPr lang="zh-TW" altLang="en-US" sz="2000" dirty="0"/>
+              <a:t>原結果</a:t>
+            </a:r>
+            <a:r>
+              <a:rPr lang="en-US" altLang="zh-TW" sz="2000" dirty="0"/>
+              <a:t>-</a:t>
+            </a:r>
+            <a:r>
+              <a:rPr lang="zh-TW" altLang="en-US" sz="2000" dirty="0"/>
+              <a:t> </a:t>
+            </a:r>
+            <a:r>
+              <a:rPr lang="en-US" altLang="zh-TW" sz="2000" dirty="0"/>
+              <a:t>Mod </a:t>
+            </a:r>
+            <a:r>
+              <a:rPr lang="zh-TW" altLang="en-US" sz="2000" dirty="0"/>
+              <a:t>後的結果 </a:t>
+            </a:r>
+            <a:r>
+              <a:rPr lang="en-US" altLang="zh-TW" sz="2000" dirty="0"/>
+              <a:t>=&gt;</a:t>
+            </a:r>
+            <a:r>
+              <a:rPr lang="zh-TW" altLang="en-US" sz="2000" dirty="0"/>
+              <a:t> </a:t>
+            </a:r>
+            <a:r>
+              <a:rPr lang="en-US" altLang="zh-TW" sz="2000" dirty="0"/>
+              <a:t>12356480</a:t>
+            </a:r>
+          </a:p>
+          <a:p>
+            <a:pPr marL="0" indent="0">
+              <a:buNone/>
+            </a:pPr>
+            <a:r>
+              <a:rPr lang="en-US" altLang="zh-TW" sz="2000" dirty="0"/>
+              <a:t>3./10=1235648</a:t>
+            </a:r>
+          </a:p>
+          <a:p>
+            <a:pPr marL="0" indent="0">
+              <a:buNone/>
+            </a:pPr>
+            <a:endParaRPr lang="en-US" altLang="zh-TW" dirty="0"/>
           </a:p>
         </p:txBody>
       </p:sp>
     </p:spTree>
     <p:extLst>
       <p:ext uri="{BB962C8B-B14F-4D97-AF65-F5344CB8AC3E}">
-        <p14:creationId xmlns:p14="http://schemas.microsoft.com/office/powerpoint/2010/main" val="3252217136"/>
+        <p14:creationId xmlns:p14="http://schemas.microsoft.com/office/powerpoint/2010/main" val="2835608531"/>
       </p:ext>
     </p:extLst>
   </p:cSld>
@@ -3500,6 +3749,275 @@
           <p:cNvPr id="2" name="標題 1">
             <a:extLst>
               <a:ext uri="{FF2B5EF4-FFF2-40B4-BE49-F238E27FC236}">
+                <a16:creationId xmlns:a16="http://schemas.microsoft.com/office/drawing/2014/main" id="{15CA3F20-F711-1AF7-2ACA-CB22E9FD422C}"/>
+              </a:ext>
+            </a:extLst>
+          </p:cNvPr>
+          <p:cNvSpPr>
+            <a:spLocks noGrp="1"/>
+          </p:cNvSpPr>
+          <p:nvPr>
+            <p:ph type="title"/>
+          </p:nvPr>
+        </p:nvSpPr>
+        <p:spPr/>
+        <p:txBody>
+          <a:bodyPr/>
+          <a:lstStyle/>
+          <a:p>
+            <a:r>
+              <a:rPr lang="en-US" altLang="zh-TW" dirty="0"/>
+              <a:t>List</a:t>
+            </a:r>
+            <a:endParaRPr lang="zh-TW" altLang="en-US" dirty="0"/>
+          </a:p>
+        </p:txBody>
+      </p:sp>
+      <p:sp>
+        <p:nvSpPr>
+          <p:cNvPr id="3" name="內容版面配置區 2">
+            <a:extLst>
+              <a:ext uri="{FF2B5EF4-FFF2-40B4-BE49-F238E27FC236}">
+                <a16:creationId xmlns:a16="http://schemas.microsoft.com/office/drawing/2014/main" id="{8166F2CA-E3A0-449D-AEBE-9C539243FBDC}"/>
+              </a:ext>
+            </a:extLst>
+          </p:cNvPr>
+          <p:cNvSpPr>
+            <a:spLocks noGrp="1"/>
+          </p:cNvSpPr>
+          <p:nvPr>
+            <p:ph idx="1"/>
+          </p:nvPr>
+        </p:nvSpPr>
+        <p:spPr/>
+        <p:txBody>
+          <a:bodyPr>
+            <a:normAutofit/>
+          </a:bodyPr>
+          <a:lstStyle/>
+          <a:p>
+            <a:r>
+              <a:rPr lang="en-US" altLang="zh-TW" sz="2000" dirty="0"/>
+              <a:t>Add : </a:t>
+            </a:r>
+            <a:r>
+              <a:rPr lang="zh-TW" altLang="en-US" sz="2000" dirty="0"/>
+              <a:t>在陣列尾端加入元素。通常為</a:t>
+            </a:r>
+            <a:r>
+              <a:rPr lang="en-US" altLang="zh-TW" sz="2000" dirty="0"/>
+              <a:t>O(1)</a:t>
+            </a:r>
+            <a:r>
+              <a:rPr lang="zh-TW" altLang="en-US" sz="2000" dirty="0"/>
+              <a:t>，如果需擴容會重新宣告陣列並複製，時間為</a:t>
+            </a:r>
+            <a:r>
+              <a:rPr lang="en-US" altLang="zh-TW" sz="2000" dirty="0"/>
+              <a:t>O(n)</a:t>
+            </a:r>
+          </a:p>
+          <a:p>
+            <a:r>
+              <a:rPr lang="en-US" altLang="zh-TW" sz="2000" dirty="0"/>
+              <a:t>Insert : </a:t>
+            </a:r>
+            <a:r>
+              <a:rPr lang="zh-TW" altLang="en-US" sz="2000" dirty="0"/>
+              <a:t>在陣列特定點插入元素，拆解動作為</a:t>
+            </a:r>
+            <a:r>
+              <a:rPr lang="en-US" altLang="zh-TW" sz="2000" dirty="0"/>
+              <a:t>:</a:t>
+            </a:r>
+          </a:p>
+          <a:p>
+            <a:pPr marL="0" indent="0">
+              <a:buNone/>
+            </a:pPr>
+            <a:r>
+              <a:rPr lang="en-US" altLang="zh-TW" sz="2000" dirty="0"/>
+              <a:t>1.</a:t>
+            </a:r>
+            <a:r>
+              <a:rPr lang="zh-TW" altLang="en-US" sz="2000" dirty="0"/>
+              <a:t>把插入點以後的元素往後移</a:t>
+            </a:r>
+            <a:r>
+              <a:rPr lang="en-US" altLang="zh-TW" sz="2000" dirty="0"/>
+              <a:t>O(n)</a:t>
+            </a:r>
+          </a:p>
+          <a:p>
+            <a:pPr marL="0" indent="0">
+              <a:buNone/>
+            </a:pPr>
+            <a:r>
+              <a:rPr lang="en-US" altLang="zh-TW" sz="2000" dirty="0"/>
+              <a:t>2.</a:t>
+            </a:r>
+            <a:r>
+              <a:rPr lang="zh-TW" altLang="en-US" sz="2000" dirty="0"/>
+              <a:t>插入元素</a:t>
+            </a:r>
+            <a:r>
+              <a:rPr lang="en-US" altLang="zh-TW" sz="2000" dirty="0"/>
+              <a:t>O(1)</a:t>
+            </a:r>
+          </a:p>
+          <a:p>
+            <a:r>
+              <a:rPr lang="en-US" altLang="zh-TW" sz="2000" dirty="0"/>
+              <a:t>Remove :</a:t>
+            </a:r>
+            <a:r>
+              <a:rPr lang="zh-TW" altLang="en-US" sz="2000" dirty="0"/>
+              <a:t>在陣列特定點移除元素，實現方式是把移除點之後的元素都往前移一格，</a:t>
+            </a:r>
+            <a:r>
+              <a:rPr lang="en-US" altLang="zh-TW" sz="2000" dirty="0"/>
+              <a:t>O(n)</a:t>
+            </a:r>
+          </a:p>
+          <a:p>
+            <a:endParaRPr lang="en-US" altLang="zh-TW" sz="2000" dirty="0"/>
+          </a:p>
+          <a:p>
+            <a:r>
+              <a:rPr lang="en-US" altLang="zh-TW" sz="2000" dirty="0"/>
+              <a:t>JAVA </a:t>
+            </a:r>
+            <a:r>
+              <a:rPr lang="zh-TW" altLang="en-US" sz="2000" dirty="0"/>
+              <a:t>的 </a:t>
+            </a:r>
+            <a:r>
+              <a:rPr lang="en-US" altLang="zh-TW" sz="2000" dirty="0"/>
+              <a:t>array list</a:t>
+            </a:r>
+            <a:endParaRPr lang="zh-TW" altLang="en-US" sz="2000" dirty="0"/>
+          </a:p>
+        </p:txBody>
+      </p:sp>
+    </p:spTree>
+    <p:extLst>
+      <p:ext uri="{BB962C8B-B14F-4D97-AF65-F5344CB8AC3E}">
+        <p14:creationId xmlns:p14="http://schemas.microsoft.com/office/powerpoint/2010/main" val="1619548182"/>
+      </p:ext>
+    </p:extLst>
+  </p:cSld>
+  <p:clrMapOvr>
+    <a:masterClrMapping/>
+  </p:clrMapOvr>
+</p:sld>
+</file>
+
+<file path=ppt/slides/slide4.xml><?xml version="1.0" encoding="utf-8"?>
+<p:sld xmlns:a="http://schemas.openxmlformats.org/drawingml/2006/main" xmlns:r="http://schemas.openxmlformats.org/officeDocument/2006/relationships" xmlns:p="http://schemas.openxmlformats.org/presentationml/2006/main">
+  <p:cSld>
+    <p:spTree>
+      <p:nvGrpSpPr>
+        <p:cNvPr id="1" name=""/>
+        <p:cNvGrpSpPr/>
+        <p:nvPr/>
+      </p:nvGrpSpPr>
+      <p:grpSpPr>
+        <a:xfrm>
+          <a:off x="0" y="0"/>
+          <a:ext cx="0" cy="0"/>
+          <a:chOff x="0" y="0"/>
+          <a:chExt cx="0" cy="0"/>
+        </a:xfrm>
+      </p:grpSpPr>
+      <p:sp>
+        <p:nvSpPr>
+          <p:cNvPr id="2" name="標題 1">
+            <a:extLst>
+              <a:ext uri="{FF2B5EF4-FFF2-40B4-BE49-F238E27FC236}">
+                <a16:creationId xmlns:a16="http://schemas.microsoft.com/office/drawing/2014/main" id="{EAE0AD87-AA69-1489-0384-7B74FF5188BD}"/>
+              </a:ext>
+            </a:extLst>
+          </p:cNvPr>
+          <p:cNvSpPr>
+            <a:spLocks noGrp="1"/>
+          </p:cNvSpPr>
+          <p:nvPr>
+            <p:ph type="title"/>
+          </p:nvPr>
+        </p:nvSpPr>
+        <p:spPr/>
+        <p:txBody>
+          <a:bodyPr/>
+          <a:lstStyle/>
+          <a:p>
+            <a:r>
+              <a:rPr lang="en-US" altLang="zh-TW" dirty="0"/>
+              <a:t>Linked List</a:t>
+            </a:r>
+            <a:endParaRPr lang="zh-TW" altLang="en-US" dirty="0"/>
+          </a:p>
+        </p:txBody>
+      </p:sp>
+      <p:sp>
+        <p:nvSpPr>
+          <p:cNvPr id="3" name="內容版面配置區 2">
+            <a:extLst>
+              <a:ext uri="{FF2B5EF4-FFF2-40B4-BE49-F238E27FC236}">
+                <a16:creationId xmlns:a16="http://schemas.microsoft.com/office/drawing/2014/main" id="{981146CE-B4A8-2D84-94D3-F327CF2756C8}"/>
+              </a:ext>
+            </a:extLst>
+          </p:cNvPr>
+          <p:cNvSpPr>
+            <a:spLocks noGrp="1"/>
+          </p:cNvSpPr>
+          <p:nvPr>
+            <p:ph idx="1"/>
+          </p:nvPr>
+        </p:nvSpPr>
+        <p:spPr/>
+        <p:txBody>
+          <a:bodyPr/>
+          <a:lstStyle/>
+          <a:p>
+            <a:endParaRPr lang="zh-TW" altLang="en-US" dirty="0"/>
+          </a:p>
+        </p:txBody>
+      </p:sp>
+    </p:spTree>
+    <p:extLst>
+      <p:ext uri="{BB962C8B-B14F-4D97-AF65-F5344CB8AC3E}">
+        <p14:creationId xmlns:p14="http://schemas.microsoft.com/office/powerpoint/2010/main" val="2297400555"/>
+      </p:ext>
+    </p:extLst>
+  </p:cSld>
+  <p:clrMapOvr>
+    <a:masterClrMapping/>
+  </p:clrMapOvr>
+</p:sld>
+</file>
+
+<file path=ppt/slides/slide5.xml><?xml version="1.0" encoding="utf-8"?>
+<p:sld xmlns:a="http://schemas.openxmlformats.org/drawingml/2006/main" xmlns:r="http://schemas.openxmlformats.org/officeDocument/2006/relationships" xmlns:p="http://schemas.openxmlformats.org/presentationml/2006/main">
+  <p:cSld>
+    <p:spTree>
+      <p:nvGrpSpPr>
+        <p:cNvPr id="1" name=""/>
+        <p:cNvGrpSpPr/>
+        <p:nvPr/>
+      </p:nvGrpSpPr>
+      <p:grpSpPr>
+        <a:xfrm>
+          <a:off x="0" y="0"/>
+          <a:ext cx="0" cy="0"/>
+          <a:chOff x="0" y="0"/>
+          <a:chExt cx="0" cy="0"/>
+        </a:xfrm>
+      </p:grpSpPr>
+      <p:sp>
+        <p:nvSpPr>
+          <p:cNvPr id="2" name="標題 1">
+            <a:extLst>
+              <a:ext uri="{FF2B5EF4-FFF2-40B4-BE49-F238E27FC236}">
                 <a16:creationId xmlns:a16="http://schemas.microsoft.com/office/drawing/2014/main" id="{89CDCD8E-E58D-64EB-0056-CA9AD3D3D80F}"/>
               </a:ext>
             </a:extLst>
@@ -3516,7 +4034,7 @@
           <a:bodyPr/>
           <a:lstStyle/>
           <a:p>
-            <a:endParaRPr lang="zh-TW" altLang="en-US"/>
+            <a:endParaRPr lang="zh-TW" altLang="en-US" dirty="0"/>
           </a:p>
         </p:txBody>
       </p:sp>
@@ -3539,7 +4057,7 @@
         <p:spPr/>
         <p:txBody>
           <a:bodyPr>
-            <a:normAutofit fontScale="92500" lnSpcReduction="10000"/>
+            <a:normAutofit/>
           </a:bodyPr>
           <a:lstStyle/>
           <a:p>
@@ -3579,59 +4097,6 @@
             <a:r>
               <a:rPr lang="en-US" altLang="zh-TW" dirty="0"/>
               <a:t>MD5 Hash</a:t>
-            </a:r>
-          </a:p>
-          <a:p>
-            <a:r>
-              <a:rPr lang="en-US" altLang="zh-TW" dirty="0"/>
-              <a:t>LIST : </a:t>
-            </a:r>
-            <a:r>
-              <a:rPr lang="en-US" altLang="zh-TW" dirty="0">
-                <a:hlinkClick r:id="rId2"/>
-              </a:rPr>
-              <a:t>https://blog.csdn.net/weixin_44996090/article/details/135438369</a:t>
-            </a:r>
-            <a:endParaRPr lang="en-US" altLang="zh-TW" dirty="0"/>
-          </a:p>
-          <a:p>
-            <a:r>
-              <a:rPr lang="zh-TW" altLang="en-US" dirty="0"/>
-              <a:t>快樂數</a:t>
-            </a:r>
-            <a:endParaRPr lang="en-US" altLang="zh-TW" dirty="0"/>
-          </a:p>
-          <a:p>
-            <a:pPr marL="0" indent="0">
-              <a:buNone/>
-            </a:pPr>
-            <a:r>
-              <a:rPr lang="en-US" altLang="zh-TW" dirty="0">
-                <a:hlinkClick r:id="rId3"/>
-              </a:rPr>
-              <a:t>https://zh.wikipedia.org/zh-tw/%E5%BF%AB%E6%A8%82%E6%95%B8</a:t>
-            </a:r>
-            <a:endParaRPr lang="en-US" altLang="zh-TW" dirty="0"/>
-          </a:p>
-          <a:p>
-            <a:pPr marL="0" indent="0">
-              <a:buNone/>
-            </a:pPr>
-            <a:r>
-              <a:rPr lang="zh-TW" altLang="en-US" dirty="0"/>
-              <a:t>不用字串</a:t>
-            </a:r>
-            <a:r>
-              <a:rPr lang="en-US" altLang="zh-TW" dirty="0"/>
-              <a:t>&amp;</a:t>
-            </a:r>
-            <a:r>
-              <a:rPr lang="zh-TW" altLang="en-US"/>
-              <a:t>用字串兩</a:t>
-            </a:r>
-            <a:r>
-              <a:rPr lang="zh-TW" altLang="en-US" dirty="0"/>
-              <a:t>種方式實作</a:t>
             </a:r>
           </a:p>
         </p:txBody>
@@ -3649,7 +4114,98 @@
 </p:sld>
 </file>
 
-<file path=ppt/slides/slide4.xml><?xml version="1.0" encoding="utf-8"?>
+<file path=ppt/slides/slide6.xml><?xml version="1.0" encoding="utf-8"?>
+<p:sld xmlns:a="http://schemas.openxmlformats.org/drawingml/2006/main" xmlns:r="http://schemas.openxmlformats.org/officeDocument/2006/relationships" xmlns:p="http://schemas.openxmlformats.org/presentationml/2006/main">
+  <p:cSld>
+    <p:spTree>
+      <p:nvGrpSpPr>
+        <p:cNvPr id="1" name=""/>
+        <p:cNvGrpSpPr/>
+        <p:nvPr/>
+      </p:nvGrpSpPr>
+      <p:grpSpPr>
+        <a:xfrm>
+          <a:off x="0" y="0"/>
+          <a:ext cx="0" cy="0"/>
+          <a:chOff x="0" y="0"/>
+          <a:chExt cx="0" cy="0"/>
+        </a:xfrm>
+      </p:grpSpPr>
+      <p:sp>
+        <p:nvSpPr>
+          <p:cNvPr id="2" name="標題 1">
+            <a:extLst>
+              <a:ext uri="{FF2B5EF4-FFF2-40B4-BE49-F238E27FC236}">
+                <a16:creationId xmlns:a16="http://schemas.microsoft.com/office/drawing/2014/main" id="{8A9E79F7-5D1F-6F4E-1D79-470F1FA9FF94}"/>
+              </a:ext>
+            </a:extLst>
+          </p:cNvPr>
+          <p:cNvSpPr>
+            <a:spLocks noGrp="1"/>
+          </p:cNvSpPr>
+          <p:nvPr>
+            <p:ph type="title"/>
+          </p:nvPr>
+        </p:nvSpPr>
+        <p:spPr/>
+        <p:txBody>
+          <a:bodyPr/>
+          <a:lstStyle/>
+          <a:p>
+            <a:endParaRPr lang="zh-TW" altLang="en-US"/>
+          </a:p>
+        </p:txBody>
+      </p:sp>
+      <p:sp>
+        <p:nvSpPr>
+          <p:cNvPr id="3" name="內容版面配置區 2">
+            <a:extLst>
+              <a:ext uri="{FF2B5EF4-FFF2-40B4-BE49-F238E27FC236}">
+                <a16:creationId xmlns:a16="http://schemas.microsoft.com/office/drawing/2014/main" id="{30265422-016E-5B45-3E89-9B273B8AB47E}"/>
+              </a:ext>
+            </a:extLst>
+          </p:cNvPr>
+          <p:cNvSpPr>
+            <a:spLocks noGrp="1"/>
+          </p:cNvSpPr>
+          <p:nvPr>
+            <p:ph idx="1"/>
+          </p:nvPr>
+        </p:nvSpPr>
+        <p:spPr/>
+        <p:txBody>
+          <a:bodyPr/>
+          <a:lstStyle/>
+          <a:p>
+            <a:r>
+              <a:rPr lang="zh-TW" altLang="en-US" dirty="0"/>
+              <a:t>物件導向 </a:t>
+            </a:r>
+            <a:r>
+              <a:rPr lang="en-US" altLang="zh-TW" dirty="0"/>
+              <a:t>VS </a:t>
+            </a:r>
+            <a:r>
+              <a:rPr lang="zh-TW" altLang="en-US" dirty="0"/>
+              <a:t>功能拆分</a:t>
+            </a:r>
+          </a:p>
+        </p:txBody>
+      </p:sp>
+    </p:spTree>
+    <p:extLst>
+      <p:ext uri="{BB962C8B-B14F-4D97-AF65-F5344CB8AC3E}">
+        <p14:creationId xmlns:p14="http://schemas.microsoft.com/office/powerpoint/2010/main" val="3252217136"/>
+      </p:ext>
+    </p:extLst>
+  </p:cSld>
+  <p:clrMapOvr>
+    <a:masterClrMapping/>
+  </p:clrMapOvr>
+</p:sld>
+</file>
+
+<file path=ppt/slides/slide7.xml><?xml version="1.0" encoding="utf-8"?>
 <p:sld xmlns:a="http://schemas.openxmlformats.org/drawingml/2006/main" xmlns:r="http://schemas.openxmlformats.org/officeDocument/2006/relationships" xmlns:p="http://schemas.openxmlformats.org/presentationml/2006/main">
   <p:cSld>
     <p:spTree>

--- a/LOG/01110.pptx
+++ b/LOG/01110.pptx
@@ -6,11 +6,11 @@
   </p:sldMasterIdLst>
   <p:sldIdLst>
     <p:sldId id="256" r:id="rId2"/>
-    <p:sldId id="260" r:id="rId3"/>
-    <p:sldId id="261" r:id="rId4"/>
-    <p:sldId id="262" r:id="rId5"/>
-    <p:sldId id="257" r:id="rId6"/>
-    <p:sldId id="259" r:id="rId7"/>
+    <p:sldId id="261" r:id="rId3"/>
+    <p:sldId id="262" r:id="rId4"/>
+    <p:sldId id="257" r:id="rId5"/>
+    <p:sldId id="259" r:id="rId6"/>
+    <p:sldId id="260" r:id="rId7"/>
     <p:sldId id="258" r:id="rId8"/>
   </p:sldIdLst>
   <p:sldSz cx="12192000" cy="6858000"/>
@@ -265,7 +265,7 @@
           <a:p>
             <a:fld id="{D49A6FB5-55E2-45B7-BA3D-D9415229888A}" type="datetimeFigureOut">
               <a:rPr lang="zh-TW" altLang="en-US" smtClean="0"/>
-              <a:t>2025/1/15</a:t>
+              <a:t>2025/1/19</a:t>
             </a:fld>
             <a:endParaRPr lang="zh-TW" altLang="en-US"/>
           </a:p>
@@ -463,7 +463,7 @@
           <a:p>
             <a:fld id="{D49A6FB5-55E2-45B7-BA3D-D9415229888A}" type="datetimeFigureOut">
               <a:rPr lang="zh-TW" altLang="en-US" smtClean="0"/>
-              <a:t>2025/1/15</a:t>
+              <a:t>2025/1/19</a:t>
             </a:fld>
             <a:endParaRPr lang="zh-TW" altLang="en-US"/>
           </a:p>
@@ -671,7 +671,7 @@
           <a:p>
             <a:fld id="{D49A6FB5-55E2-45B7-BA3D-D9415229888A}" type="datetimeFigureOut">
               <a:rPr lang="zh-TW" altLang="en-US" smtClean="0"/>
-              <a:t>2025/1/15</a:t>
+              <a:t>2025/1/19</a:t>
             </a:fld>
             <a:endParaRPr lang="zh-TW" altLang="en-US"/>
           </a:p>
@@ -869,7 +869,7 @@
           <a:p>
             <a:fld id="{D49A6FB5-55E2-45B7-BA3D-D9415229888A}" type="datetimeFigureOut">
               <a:rPr lang="zh-TW" altLang="en-US" smtClean="0"/>
-              <a:t>2025/1/15</a:t>
+              <a:t>2025/1/19</a:t>
             </a:fld>
             <a:endParaRPr lang="zh-TW" altLang="en-US"/>
           </a:p>
@@ -1144,7 +1144,7 @@
           <a:p>
             <a:fld id="{D49A6FB5-55E2-45B7-BA3D-D9415229888A}" type="datetimeFigureOut">
               <a:rPr lang="zh-TW" altLang="en-US" smtClean="0"/>
-              <a:t>2025/1/15</a:t>
+              <a:t>2025/1/19</a:t>
             </a:fld>
             <a:endParaRPr lang="zh-TW" altLang="en-US"/>
           </a:p>
@@ -1409,7 +1409,7 @@
           <a:p>
             <a:fld id="{D49A6FB5-55E2-45B7-BA3D-D9415229888A}" type="datetimeFigureOut">
               <a:rPr lang="zh-TW" altLang="en-US" smtClean="0"/>
-              <a:t>2025/1/15</a:t>
+              <a:t>2025/1/19</a:t>
             </a:fld>
             <a:endParaRPr lang="zh-TW" altLang="en-US"/>
           </a:p>
@@ -1821,7 +1821,7 @@
           <a:p>
             <a:fld id="{D49A6FB5-55E2-45B7-BA3D-D9415229888A}" type="datetimeFigureOut">
               <a:rPr lang="zh-TW" altLang="en-US" smtClean="0"/>
-              <a:t>2025/1/15</a:t>
+              <a:t>2025/1/19</a:t>
             </a:fld>
             <a:endParaRPr lang="zh-TW" altLang="en-US"/>
           </a:p>
@@ -1962,7 +1962,7 @@
           <a:p>
             <a:fld id="{D49A6FB5-55E2-45B7-BA3D-D9415229888A}" type="datetimeFigureOut">
               <a:rPr lang="zh-TW" altLang="en-US" smtClean="0"/>
-              <a:t>2025/1/15</a:t>
+              <a:t>2025/1/19</a:t>
             </a:fld>
             <a:endParaRPr lang="zh-TW" altLang="en-US"/>
           </a:p>
@@ -2075,7 +2075,7 @@
           <a:p>
             <a:fld id="{D49A6FB5-55E2-45B7-BA3D-D9415229888A}" type="datetimeFigureOut">
               <a:rPr lang="zh-TW" altLang="en-US" smtClean="0"/>
-              <a:t>2025/1/15</a:t>
+              <a:t>2025/1/19</a:t>
             </a:fld>
             <a:endParaRPr lang="zh-TW" altLang="en-US"/>
           </a:p>
@@ -2386,7 +2386,7 @@
           <a:p>
             <a:fld id="{D49A6FB5-55E2-45B7-BA3D-D9415229888A}" type="datetimeFigureOut">
               <a:rPr lang="zh-TW" altLang="en-US" smtClean="0"/>
-              <a:t>2025/1/15</a:t>
+              <a:t>2025/1/19</a:t>
             </a:fld>
             <a:endParaRPr lang="zh-TW" altLang="en-US"/>
           </a:p>
@@ -2674,7 +2674,7 @@
           <a:p>
             <a:fld id="{D49A6FB5-55E2-45B7-BA3D-D9415229888A}" type="datetimeFigureOut">
               <a:rPr lang="zh-TW" altLang="en-US" smtClean="0"/>
-              <a:t>2025/1/15</a:t>
+              <a:t>2025/1/19</a:t>
             </a:fld>
             <a:endParaRPr lang="zh-TW" altLang="en-US"/>
           </a:p>
@@ -2915,7 +2915,7 @@
           <a:p>
             <a:fld id="{D49A6FB5-55E2-45B7-BA3D-D9415229888A}" type="datetimeFigureOut">
               <a:rPr lang="zh-TW" altLang="en-US" smtClean="0"/>
-              <a:t>2025/1/15</a:t>
+              <a:t>2025/1/19</a:t>
             </a:fld>
             <a:endParaRPr lang="zh-TW" altLang="en-US"/>
           </a:p>
@@ -3417,7 +3417,7 @@
           <p:cNvPr id="2" name="標題 1">
             <a:extLst>
               <a:ext uri="{FF2B5EF4-FFF2-40B4-BE49-F238E27FC236}">
-                <a16:creationId xmlns:a16="http://schemas.microsoft.com/office/drawing/2014/main" id="{884AD931-0812-DD22-24A6-C974DEBB2D12}"/>
+                <a16:creationId xmlns:a16="http://schemas.microsoft.com/office/drawing/2014/main" id="{15CA3F20-F711-1AF7-2ACA-CB22E9FD422C}"/>
               </a:ext>
             </a:extLst>
           </p:cNvPr>
@@ -3435,7 +3435,7 @@
           <a:p>
             <a:r>
               <a:rPr lang="en-US" altLang="zh-TW" dirty="0"/>
-              <a:t>HW</a:t>
+              <a:t>List</a:t>
             </a:r>
             <a:endParaRPr lang="zh-TW" altLang="en-US" dirty="0"/>
           </a:p>
@@ -3446,7 +3446,7 @@
           <p:cNvPr id="3" name="內容版面配置區 2">
             <a:extLst>
               <a:ext uri="{FF2B5EF4-FFF2-40B4-BE49-F238E27FC236}">
-                <a16:creationId xmlns:a16="http://schemas.microsoft.com/office/drawing/2014/main" id="{6C33E1F7-22BD-8B24-BCBA-0B0B75EE965D}"/>
+                <a16:creationId xmlns:a16="http://schemas.microsoft.com/office/drawing/2014/main" id="{8166F2CA-E3A0-449D-AEBE-9C539243FBDC}"/>
               </a:ext>
             </a:extLst>
           </p:cNvPr>
@@ -3457,73 +3457,42 @@
             <p:ph idx="1"/>
           </p:nvPr>
         </p:nvSpPr>
-        <p:spPr>
-          <a:xfrm>
-            <a:off x="838200" y="1317624"/>
-            <a:ext cx="10515600" cy="4976737"/>
-          </a:xfrm>
-        </p:spPr>
+        <p:spPr/>
         <p:txBody>
           <a:bodyPr>
-            <a:normAutofit lnSpcReduction="10000"/>
+            <a:normAutofit/>
           </a:bodyPr>
           <a:lstStyle/>
           <a:p>
             <a:r>
               <a:rPr lang="en-US" altLang="zh-TW" sz="2000" dirty="0"/>
-              <a:t>LIST : </a:t>
-            </a:r>
-            <a:r>
-              <a:rPr lang="en-US" altLang="zh-TW" sz="2000" dirty="0">
-                <a:hlinkClick r:id="rId2"/>
-              </a:rPr>
-              <a:t>https://blog.csdn.net/weixin_44996090/article/details/135438369</a:t>
-            </a:r>
-            <a:endParaRPr lang="en-US" altLang="zh-TW" sz="2000" dirty="0"/>
-          </a:p>
-          <a:p>
+              <a:t>Add : </a:t>
+            </a:r>
             <a:r>
               <a:rPr lang="zh-TW" altLang="en-US" sz="2000" dirty="0"/>
-              <a:t>快樂數</a:t>
-            </a:r>
-            <a:endParaRPr lang="en-US" altLang="zh-TW" sz="2000" dirty="0"/>
-          </a:p>
-          <a:p>
-            <a:pPr marL="0" indent="0">
-              <a:buNone/>
-            </a:pPr>
-            <a:r>
-              <a:rPr lang="en-US" altLang="zh-TW" sz="2000" dirty="0">
-                <a:hlinkClick r:id="rId3"/>
-              </a:rPr>
-              <a:t>https://zh.wikipedia.org/zh-tw/%E5%BF%AB%E6%A8%82%E6%95%B8</a:t>
-            </a:r>
-            <a:endParaRPr lang="en-US" altLang="zh-TW" sz="2000" dirty="0"/>
-          </a:p>
-          <a:p>
-            <a:pPr marL="0" indent="0">
-              <a:buNone/>
-            </a:pPr>
+              <a:t>在陣列尾端加入元素。通常為</a:t>
+            </a:r>
+            <a:r>
+              <a:rPr lang="en-US" altLang="zh-TW" sz="2000" dirty="0"/>
+              <a:t>O(1)</a:t>
+            </a:r>
             <a:r>
               <a:rPr lang="zh-TW" altLang="en-US" sz="2000" dirty="0"/>
-              <a:t>不用字串</a:t>
+              <a:t>，如果需擴容會重新宣告陣列並複製，時間為</a:t>
             </a:r>
             <a:r>
               <a:rPr lang="en-US" altLang="zh-TW" sz="2000" dirty="0"/>
-              <a:t>&amp;</a:t>
+              <a:t>O(n)</a:t>
+            </a:r>
+          </a:p>
+          <a:p>
+            <a:r>
+              <a:rPr lang="en-US" altLang="zh-TW" sz="2000" dirty="0"/>
+              <a:t>Insert : </a:t>
             </a:r>
             <a:r>
               <a:rPr lang="zh-TW" altLang="en-US" sz="2000" dirty="0"/>
-              <a:t>用字串兩種方式實作</a:t>
-            </a:r>
-          </a:p>
-          <a:p>
-            <a:endParaRPr lang="en-US" altLang="zh-TW" sz="2000" dirty="0"/>
-          </a:p>
-          <a:p>
-            <a:r>
-              <a:rPr lang="zh-TW" altLang="en-US" sz="2000" dirty="0"/>
-              <a:t>功能拆分</a:t>
+              <a:t>在陣列特定點插入元素，拆解動作為</a:t>
             </a:r>
             <a:r>
               <a:rPr lang="en-US" altLang="zh-TW" sz="2000" dirty="0"/>
@@ -3540,41 +3509,12 @@
             </a:r>
             <a:r>
               <a:rPr lang="zh-TW" altLang="en-US" sz="2000" dirty="0"/>
-              <a:t>遍歷每一個位數</a:t>
+              <a:t>把插入點以後的元素往後移</a:t>
             </a:r>
             <a:r>
               <a:rPr lang="en-US" altLang="zh-TW" sz="2000" dirty="0"/>
-              <a:t>(</a:t>
-            </a:r>
-            <a:r>
-              <a:rPr lang="zh-TW" altLang="en-US" sz="2000" dirty="0"/>
-              <a:t>字串 </a:t>
-            </a:r>
-            <a:r>
-              <a:rPr lang="en-US" altLang="zh-TW" sz="2000" dirty="0"/>
-              <a:t>or </a:t>
-            </a:r>
-            <a:r>
-              <a:rPr lang="zh-TW" altLang="en-US" sz="2000" dirty="0"/>
-              <a:t>數字</a:t>
-            </a:r>
-            <a:r>
-              <a:rPr lang="en-US" altLang="zh-TW" sz="2000" dirty="0"/>
-              <a:t>)</a:t>
-            </a:r>
-            <a:r>
-              <a:rPr lang="zh-TW" altLang="en-US" sz="2000" dirty="0"/>
-              <a:t>，儲存為一個字元矩陣或 </a:t>
-            </a:r>
-            <a:r>
-              <a:rPr lang="en-US" altLang="zh-TW" sz="2000" dirty="0"/>
-              <a:t>int </a:t>
-            </a:r>
-            <a:r>
-              <a:rPr lang="zh-TW" altLang="en-US" sz="2000" dirty="0"/>
-              <a:t>矩陣</a:t>
-            </a:r>
-            <a:endParaRPr lang="en-US" altLang="zh-TW" sz="2000" dirty="0"/>
+              <a:t>O(n)</a:t>
+            </a:r>
           </a:p>
           <a:p>
             <a:pPr marL="0" indent="0">
@@ -3586,138 +3526,51 @@
             </a:r>
             <a:r>
               <a:rPr lang="zh-TW" altLang="en-US" sz="2000" dirty="0"/>
-              <a:t>迴圈 </a:t>
+              <a:t>插入元素</a:t>
             </a:r>
             <a:r>
               <a:rPr lang="en-US" altLang="zh-TW" sz="2000" dirty="0"/>
-              <a:t>:</a:t>
+              <a:t>O(1)</a:t>
+            </a:r>
+          </a:p>
+          <a:p>
+            <a:r>
+              <a:rPr lang="en-US" altLang="zh-TW" sz="2000" dirty="0"/>
+              <a:t>Remove :</a:t>
             </a:r>
             <a:r>
               <a:rPr lang="zh-TW" altLang="en-US" sz="2000" dirty="0"/>
-              <a:t> 把矩陣內的每一位數平方相加。 跳出條件 </a:t>
+              <a:t>在陣列特定點移除元素，實現方式是把移除點之後的元素都往前移一格，</a:t>
             </a:r>
             <a:r>
               <a:rPr lang="en-US" altLang="zh-TW" sz="2000" dirty="0"/>
-              <a:t>:</a:t>
+              <a:t>O(n)</a:t>
+            </a:r>
+          </a:p>
+          <a:p>
+            <a:endParaRPr lang="en-US" altLang="zh-TW" sz="2000" dirty="0"/>
+          </a:p>
+          <a:p>
+            <a:r>
+              <a:rPr lang="en-US" altLang="zh-TW" sz="2000" dirty="0"/>
+              <a:t>JAVA </a:t>
             </a:r>
             <a:r>
               <a:rPr lang="zh-TW" altLang="en-US" sz="2000" dirty="0"/>
-              <a:t>判斷為快樂數</a:t>
+              <a:t>的 </a:t>
             </a:r>
             <a:r>
               <a:rPr lang="en-US" altLang="zh-TW" sz="2000" dirty="0"/>
-              <a:t>(</a:t>
-            </a:r>
-            <a:r>
-              <a:rPr lang="zh-TW" altLang="en-US" sz="2000" dirty="0"/>
-              <a:t>出現</a:t>
-            </a:r>
-            <a:r>
-              <a:rPr lang="en-US" altLang="zh-TW" sz="2000" dirty="0"/>
-              <a:t>1)</a:t>
-            </a:r>
-            <a:r>
-              <a:rPr lang="zh-TW" altLang="en-US" sz="2000" dirty="0"/>
-              <a:t>或出現重複結果</a:t>
-            </a:r>
-            <a:r>
-              <a:rPr lang="en-US" altLang="zh-TW" sz="2000" dirty="0"/>
-              <a:t>(</a:t>
-            </a:r>
-            <a:r>
-              <a:rPr lang="zh-TW" altLang="en-US" sz="2000" dirty="0"/>
-              <a:t>出現</a:t>
-            </a:r>
-            <a:r>
-              <a:rPr lang="en-US" altLang="zh-TW" sz="2000" dirty="0"/>
-              <a:t>4)</a:t>
-            </a:r>
-            <a:r>
-              <a:rPr lang="zh-TW" altLang="en-US" sz="2000" dirty="0"/>
-              <a:t>。</a:t>
-            </a:r>
-            <a:endParaRPr lang="en-US" altLang="zh-TW" sz="2000" dirty="0"/>
-          </a:p>
-          <a:p>
-            <a:pPr marL="0" indent="0">
-              <a:buNone/>
-            </a:pPr>
-            <a:r>
-              <a:rPr lang="en-US" altLang="zh-TW" sz="2000" dirty="0"/>
-              <a:t>10012356489.</a:t>
-            </a:r>
-          </a:p>
-          <a:p>
-            <a:pPr marL="0" indent="0">
-              <a:buNone/>
-            </a:pPr>
-            <a:r>
-              <a:rPr lang="en-US" altLang="zh-TW" sz="2000" dirty="0"/>
-              <a:t>1.mod10</a:t>
-            </a:r>
-          </a:p>
-          <a:p>
-            <a:pPr marL="0" indent="0">
-              <a:buNone/>
-            </a:pPr>
-            <a:r>
-              <a:rPr lang="en-US" altLang="zh-TW" sz="2000" dirty="0"/>
-              <a:t>2.</a:t>
-            </a:r>
-            <a:r>
-              <a:rPr lang="zh-TW" altLang="en-US" sz="2000" dirty="0"/>
-              <a:t>原結果</a:t>
-            </a:r>
-            <a:r>
-              <a:rPr lang="en-US" altLang="zh-TW" sz="2000" dirty="0"/>
-              <a:t>-</a:t>
-            </a:r>
-            <a:r>
-              <a:rPr lang="zh-TW" altLang="en-US" sz="2000" dirty="0"/>
-              <a:t> </a:t>
-            </a:r>
-            <a:r>
-              <a:rPr lang="en-US" altLang="zh-TW" sz="2000" dirty="0"/>
-              <a:t>Mod </a:t>
-            </a:r>
-            <a:r>
-              <a:rPr lang="zh-TW" altLang="en-US" sz="2000" dirty="0"/>
-              <a:t>後的結果 </a:t>
-            </a:r>
-            <a:r>
-              <a:rPr lang="en-US" altLang="zh-TW" sz="2000" dirty="0"/>
-              <a:t>=&gt;</a:t>
-            </a:r>
-            <a:r>
-              <a:rPr lang="zh-TW" altLang="en-US" sz="2000" dirty="0"/>
-              <a:t> </a:t>
-            </a:r>
-            <a:r>
-              <a:rPr lang="en-US" altLang="zh-TW" sz="2000" dirty="0"/>
-              <a:t>12356480</a:t>
-            </a:r>
-          </a:p>
-          <a:p>
-            <a:pPr marL="0" indent="0">
-              <a:buNone/>
-            </a:pPr>
-            <a:r>
-              <a:rPr lang="en-US" altLang="zh-TW" sz="2000" dirty="0"/>
-              <a:t>3./10=1235648</a:t>
-            </a:r>
-          </a:p>
-          <a:p>
-            <a:pPr marL="0" indent="0">
-              <a:buNone/>
-            </a:pPr>
-            <a:endParaRPr lang="en-US" altLang="zh-TW" dirty="0"/>
+              <a:t>array list</a:t>
+            </a:r>
+            <a:endParaRPr lang="zh-TW" altLang="en-US" sz="2000" dirty="0"/>
           </a:p>
         </p:txBody>
       </p:sp>
     </p:spTree>
     <p:extLst>
       <p:ext uri="{BB962C8B-B14F-4D97-AF65-F5344CB8AC3E}">
-        <p14:creationId xmlns:p14="http://schemas.microsoft.com/office/powerpoint/2010/main" val="2835608531"/>
+        <p14:creationId xmlns:p14="http://schemas.microsoft.com/office/powerpoint/2010/main" val="1619548182"/>
       </p:ext>
     </p:extLst>
   </p:cSld>
@@ -3749,7 +3602,7 @@
           <p:cNvPr id="2" name="標題 1">
             <a:extLst>
               <a:ext uri="{FF2B5EF4-FFF2-40B4-BE49-F238E27FC236}">
-                <a16:creationId xmlns:a16="http://schemas.microsoft.com/office/drawing/2014/main" id="{15CA3F20-F711-1AF7-2ACA-CB22E9FD422C}"/>
+                <a16:creationId xmlns:a16="http://schemas.microsoft.com/office/drawing/2014/main" id="{EAE0AD87-AA69-1489-0384-7B74FF5188BD}"/>
               </a:ext>
             </a:extLst>
           </p:cNvPr>
@@ -3767,7 +3620,7 @@
           <a:p>
             <a:r>
               <a:rPr lang="en-US" altLang="zh-TW" dirty="0"/>
-              <a:t>List</a:t>
+              <a:t>Linked List</a:t>
             </a:r>
             <a:endParaRPr lang="zh-TW" altLang="en-US" dirty="0"/>
           </a:p>
@@ -3778,7 +3631,7 @@
           <p:cNvPr id="3" name="內容版面配置區 2">
             <a:extLst>
               <a:ext uri="{FF2B5EF4-FFF2-40B4-BE49-F238E27FC236}">
-                <a16:creationId xmlns:a16="http://schemas.microsoft.com/office/drawing/2014/main" id="{8166F2CA-E3A0-449D-AEBE-9C539243FBDC}"/>
+                <a16:creationId xmlns:a16="http://schemas.microsoft.com/office/drawing/2014/main" id="{981146CE-B4A8-2D84-94D3-F327CF2756C8}"/>
               </a:ext>
             </a:extLst>
           </p:cNvPr>
@@ -3791,118 +3644,17 @@
         </p:nvSpPr>
         <p:spPr/>
         <p:txBody>
-          <a:bodyPr>
-            <a:normAutofit/>
-          </a:bodyPr>
-          <a:lstStyle/>
-          <a:p>
-            <a:r>
-              <a:rPr lang="en-US" altLang="zh-TW" sz="2000" dirty="0"/>
-              <a:t>Add : </a:t>
-            </a:r>
-            <a:r>
-              <a:rPr lang="zh-TW" altLang="en-US" sz="2000" dirty="0"/>
-              <a:t>在陣列尾端加入元素。通常為</a:t>
-            </a:r>
-            <a:r>
-              <a:rPr lang="en-US" altLang="zh-TW" sz="2000" dirty="0"/>
-              <a:t>O(1)</a:t>
-            </a:r>
-            <a:r>
-              <a:rPr lang="zh-TW" altLang="en-US" sz="2000" dirty="0"/>
-              <a:t>，如果需擴容會重新宣告陣列並複製，時間為</a:t>
-            </a:r>
-            <a:r>
-              <a:rPr lang="en-US" altLang="zh-TW" sz="2000" dirty="0"/>
-              <a:t>O(n)</a:t>
-            </a:r>
-          </a:p>
-          <a:p>
-            <a:r>
-              <a:rPr lang="en-US" altLang="zh-TW" sz="2000" dirty="0"/>
-              <a:t>Insert : </a:t>
-            </a:r>
-            <a:r>
-              <a:rPr lang="zh-TW" altLang="en-US" sz="2000" dirty="0"/>
-              <a:t>在陣列特定點插入元素，拆解動作為</a:t>
-            </a:r>
-            <a:r>
-              <a:rPr lang="en-US" altLang="zh-TW" sz="2000" dirty="0"/>
-              <a:t>:</a:t>
-            </a:r>
-          </a:p>
-          <a:p>
-            <a:pPr marL="0" indent="0">
-              <a:buNone/>
-            </a:pPr>
-            <a:r>
-              <a:rPr lang="en-US" altLang="zh-TW" sz="2000" dirty="0"/>
-              <a:t>1.</a:t>
-            </a:r>
-            <a:r>
-              <a:rPr lang="zh-TW" altLang="en-US" sz="2000" dirty="0"/>
-              <a:t>把插入點以後的元素往後移</a:t>
-            </a:r>
-            <a:r>
-              <a:rPr lang="en-US" altLang="zh-TW" sz="2000" dirty="0"/>
-              <a:t>O(n)</a:t>
-            </a:r>
-          </a:p>
-          <a:p>
-            <a:pPr marL="0" indent="0">
-              <a:buNone/>
-            </a:pPr>
-            <a:r>
-              <a:rPr lang="en-US" altLang="zh-TW" sz="2000" dirty="0"/>
-              <a:t>2.</a:t>
-            </a:r>
-            <a:r>
-              <a:rPr lang="zh-TW" altLang="en-US" sz="2000" dirty="0"/>
-              <a:t>插入元素</a:t>
-            </a:r>
-            <a:r>
-              <a:rPr lang="en-US" altLang="zh-TW" sz="2000" dirty="0"/>
-              <a:t>O(1)</a:t>
-            </a:r>
-          </a:p>
-          <a:p>
-            <a:r>
-              <a:rPr lang="en-US" altLang="zh-TW" sz="2000" dirty="0"/>
-              <a:t>Remove :</a:t>
-            </a:r>
-            <a:r>
-              <a:rPr lang="zh-TW" altLang="en-US" sz="2000" dirty="0"/>
-              <a:t>在陣列特定點移除元素，實現方式是把移除點之後的元素都往前移一格，</a:t>
-            </a:r>
-            <a:r>
-              <a:rPr lang="en-US" altLang="zh-TW" sz="2000" dirty="0"/>
-              <a:t>O(n)</a:t>
-            </a:r>
-          </a:p>
-          <a:p>
-            <a:endParaRPr lang="en-US" altLang="zh-TW" sz="2000" dirty="0"/>
-          </a:p>
-          <a:p>
-            <a:r>
-              <a:rPr lang="en-US" altLang="zh-TW" sz="2000" dirty="0"/>
-              <a:t>JAVA </a:t>
-            </a:r>
-            <a:r>
-              <a:rPr lang="zh-TW" altLang="en-US" sz="2000" dirty="0"/>
-              <a:t>的 </a:t>
-            </a:r>
-            <a:r>
-              <a:rPr lang="en-US" altLang="zh-TW" sz="2000" dirty="0"/>
-              <a:t>array list</a:t>
-            </a:r>
-            <a:endParaRPr lang="zh-TW" altLang="en-US" sz="2000" dirty="0"/>
+          <a:bodyPr/>
+          <a:lstStyle/>
+          <a:p>
+            <a:endParaRPr lang="zh-TW" altLang="en-US" dirty="0"/>
           </a:p>
         </p:txBody>
       </p:sp>
     </p:spTree>
     <p:extLst>
       <p:ext uri="{BB962C8B-B14F-4D97-AF65-F5344CB8AC3E}">
-        <p14:creationId xmlns:p14="http://schemas.microsoft.com/office/powerpoint/2010/main" val="1619548182"/>
+        <p14:creationId xmlns:p14="http://schemas.microsoft.com/office/powerpoint/2010/main" val="2297400555"/>
       </p:ext>
     </p:extLst>
   </p:cSld>
@@ -3934,7 +3686,7 @@
           <p:cNvPr id="2" name="標題 1">
             <a:extLst>
               <a:ext uri="{FF2B5EF4-FFF2-40B4-BE49-F238E27FC236}">
-                <a16:creationId xmlns:a16="http://schemas.microsoft.com/office/drawing/2014/main" id="{EAE0AD87-AA69-1489-0384-7B74FF5188BD}"/>
+                <a16:creationId xmlns:a16="http://schemas.microsoft.com/office/drawing/2014/main" id="{89CDCD8E-E58D-64EB-0056-CA9AD3D3D80F}"/>
               </a:ext>
             </a:extLst>
           </p:cNvPr>
@@ -3950,43 +3702,77 @@
           <a:bodyPr/>
           <a:lstStyle/>
           <a:p>
+            <a:endParaRPr lang="zh-TW" altLang="en-US" dirty="0"/>
+          </a:p>
+        </p:txBody>
+      </p:sp>
+      <p:sp>
+        <p:nvSpPr>
+          <p:cNvPr id="3" name="內容版面配置區 2">
+            <a:extLst>
+              <a:ext uri="{FF2B5EF4-FFF2-40B4-BE49-F238E27FC236}">
+                <a16:creationId xmlns:a16="http://schemas.microsoft.com/office/drawing/2014/main" id="{6F0C72A0-AD64-A31C-9FE8-E7C9200D425C}"/>
+              </a:ext>
+            </a:extLst>
+          </p:cNvPr>
+          <p:cNvSpPr>
+            <a:spLocks noGrp="1"/>
+          </p:cNvSpPr>
+          <p:nvPr>
+            <p:ph idx="1"/>
+          </p:nvPr>
+        </p:nvSpPr>
+        <p:spPr/>
+        <p:txBody>
+          <a:bodyPr>
+            <a:normAutofit/>
+          </a:bodyPr>
+          <a:lstStyle/>
+          <a:p>
             <a:r>
               <a:rPr lang="en-US" altLang="zh-TW" dirty="0"/>
-              <a:t>Linked List</a:t>
-            </a:r>
-            <a:endParaRPr lang="zh-TW" altLang="en-US" dirty="0"/>
-          </a:p>
-        </p:txBody>
-      </p:sp>
-      <p:sp>
-        <p:nvSpPr>
-          <p:cNvPr id="3" name="內容版面配置區 2">
-            <a:extLst>
-              <a:ext uri="{FF2B5EF4-FFF2-40B4-BE49-F238E27FC236}">
-                <a16:creationId xmlns:a16="http://schemas.microsoft.com/office/drawing/2014/main" id="{981146CE-B4A8-2D84-94D3-F327CF2756C8}"/>
-              </a:ext>
-            </a:extLst>
-          </p:cNvPr>
-          <p:cNvSpPr>
-            <a:spLocks noGrp="1"/>
-          </p:cNvSpPr>
-          <p:nvPr>
-            <p:ph idx="1"/>
-          </p:nvPr>
-        </p:nvSpPr>
-        <p:spPr/>
-        <p:txBody>
-          <a:bodyPr/>
-          <a:lstStyle/>
-          <a:p>
-            <a:endParaRPr lang="zh-TW" altLang="en-US" dirty="0"/>
+              <a:t>SOLID (</a:t>
+            </a:r>
+            <a:r>
+              <a:rPr lang="zh-TW" altLang="en-US" dirty="0"/>
+              <a:t>物件導向設計</a:t>
+            </a:r>
+            <a:r>
+              <a:rPr lang="en-US" altLang="zh-TW" dirty="0"/>
+              <a:t>)</a:t>
+            </a:r>
+          </a:p>
+          <a:p>
+            <a:r>
+              <a:rPr lang="en-US" altLang="zh-TW" dirty="0"/>
+              <a:t>Design pattern</a:t>
+            </a:r>
+          </a:p>
+          <a:p>
+            <a:r>
+              <a:rPr lang="zh-TW" altLang="en-US" dirty="0"/>
+              <a:t> 資料分片</a:t>
+            </a:r>
+            <a:endParaRPr lang="en-US" altLang="zh-TW" dirty="0"/>
+          </a:p>
+          <a:p>
+            <a:r>
+              <a:rPr lang="en-US" altLang="zh-TW" dirty="0"/>
+              <a:t>Redis</a:t>
+            </a:r>
+          </a:p>
+          <a:p>
+            <a:r>
+              <a:rPr lang="en-US" altLang="zh-TW" dirty="0"/>
+              <a:t>MD5 Hash</a:t>
+            </a:r>
           </a:p>
         </p:txBody>
       </p:sp>
     </p:spTree>
     <p:extLst>
       <p:ext uri="{BB962C8B-B14F-4D97-AF65-F5344CB8AC3E}">
-        <p14:creationId xmlns:p14="http://schemas.microsoft.com/office/powerpoint/2010/main" val="2297400555"/>
+        <p14:creationId xmlns:p14="http://schemas.microsoft.com/office/powerpoint/2010/main" val="2771287056"/>
       </p:ext>
     </p:extLst>
   </p:cSld>
@@ -4018,7 +3804,7 @@
           <p:cNvPr id="2" name="標題 1">
             <a:extLst>
               <a:ext uri="{FF2B5EF4-FFF2-40B4-BE49-F238E27FC236}">
-                <a16:creationId xmlns:a16="http://schemas.microsoft.com/office/drawing/2014/main" id="{89CDCD8E-E58D-64EB-0056-CA9AD3D3D80F}"/>
+                <a16:creationId xmlns:a16="http://schemas.microsoft.com/office/drawing/2014/main" id="{8A9E79F7-5D1F-6F4E-1D79-470F1FA9FF94}"/>
               </a:ext>
             </a:extLst>
           </p:cNvPr>
@@ -4034,7 +3820,7 @@
           <a:bodyPr/>
           <a:lstStyle/>
           <a:p>
-            <a:endParaRPr lang="zh-TW" altLang="en-US" dirty="0"/>
+            <a:endParaRPr lang="zh-TW" altLang="en-US"/>
           </a:p>
         </p:txBody>
       </p:sp>
@@ -4043,7 +3829,7 @@
           <p:cNvPr id="3" name="內容版面配置區 2">
             <a:extLst>
               <a:ext uri="{FF2B5EF4-FFF2-40B4-BE49-F238E27FC236}">
-                <a16:creationId xmlns:a16="http://schemas.microsoft.com/office/drawing/2014/main" id="{6F0C72A0-AD64-A31C-9FE8-E7C9200D425C}"/>
+                <a16:creationId xmlns:a16="http://schemas.microsoft.com/office/drawing/2014/main" id="{30265422-016E-5B45-3E89-9B273B8AB47E}"/>
               </a:ext>
             </a:extLst>
           </p:cNvPr>
@@ -4056,47 +3842,20 @@
         </p:nvSpPr>
         <p:spPr/>
         <p:txBody>
-          <a:bodyPr>
-            <a:normAutofit/>
-          </a:bodyPr>
-          <a:lstStyle/>
-          <a:p>
+          <a:bodyPr/>
+          <a:lstStyle/>
+          <a:p>
+            <a:r>
+              <a:rPr lang="zh-TW" altLang="en-US" dirty="0"/>
+              <a:t>物件導向 </a:t>
+            </a:r>
             <a:r>
               <a:rPr lang="en-US" altLang="zh-TW" dirty="0"/>
-              <a:t>SOLID (</a:t>
+              <a:t>VS </a:t>
             </a:r>
             <a:r>
               <a:rPr lang="zh-TW" altLang="en-US" dirty="0"/>
-              <a:t>物件導向設計</a:t>
-            </a:r>
-            <a:r>
-              <a:rPr lang="en-US" altLang="zh-TW" dirty="0"/>
-              <a:t>)</a:t>
-            </a:r>
-          </a:p>
-          <a:p>
-            <a:r>
-              <a:rPr lang="en-US" altLang="zh-TW" dirty="0"/>
-              <a:t>Design pattern</a:t>
-            </a:r>
-          </a:p>
-          <a:p>
-            <a:r>
-              <a:rPr lang="zh-TW" altLang="en-US" dirty="0"/>
-              <a:t> 資料分片</a:t>
-            </a:r>
-            <a:endParaRPr lang="en-US" altLang="zh-TW" dirty="0"/>
-          </a:p>
-          <a:p>
-            <a:r>
-              <a:rPr lang="en-US" altLang="zh-TW" dirty="0"/>
-              <a:t>Redis</a:t>
-            </a:r>
-          </a:p>
-          <a:p>
-            <a:r>
-              <a:rPr lang="en-US" altLang="zh-TW" dirty="0"/>
-              <a:t>MD5 Hash</a:t>
+              <a:t>功能拆分</a:t>
             </a:r>
           </a:p>
         </p:txBody>
@@ -4104,7 +3863,7 @@
     </p:spTree>
     <p:extLst>
       <p:ext uri="{BB962C8B-B14F-4D97-AF65-F5344CB8AC3E}">
-        <p14:creationId xmlns:p14="http://schemas.microsoft.com/office/powerpoint/2010/main" val="2771287056"/>
+        <p14:creationId xmlns:p14="http://schemas.microsoft.com/office/powerpoint/2010/main" val="3252217136"/>
       </p:ext>
     </p:extLst>
   </p:cSld>
@@ -4136,7 +3895,7 @@
           <p:cNvPr id="2" name="標題 1">
             <a:extLst>
               <a:ext uri="{FF2B5EF4-FFF2-40B4-BE49-F238E27FC236}">
-                <a16:creationId xmlns:a16="http://schemas.microsoft.com/office/drawing/2014/main" id="{8A9E79F7-5D1F-6F4E-1D79-470F1FA9FF94}"/>
+                <a16:creationId xmlns:a16="http://schemas.microsoft.com/office/drawing/2014/main" id="{884AD931-0812-DD22-24A6-C974DEBB2D12}"/>
               </a:ext>
             </a:extLst>
           </p:cNvPr>
@@ -4152,7 +3911,11 @@
           <a:bodyPr/>
           <a:lstStyle/>
           <a:p>
-            <a:endParaRPr lang="zh-TW" altLang="en-US"/>
+            <a:r>
+              <a:rPr lang="en-US" altLang="zh-TW" dirty="0"/>
+              <a:t>HW</a:t>
+            </a:r>
+            <a:endParaRPr lang="zh-TW" altLang="en-US" dirty="0"/>
           </a:p>
         </p:txBody>
       </p:sp>
@@ -4161,7 +3924,7 @@
           <p:cNvPr id="3" name="內容版面配置區 2">
             <a:extLst>
               <a:ext uri="{FF2B5EF4-FFF2-40B4-BE49-F238E27FC236}">
-                <a16:creationId xmlns:a16="http://schemas.microsoft.com/office/drawing/2014/main" id="{30265422-016E-5B45-3E89-9B273B8AB47E}"/>
+                <a16:creationId xmlns:a16="http://schemas.microsoft.com/office/drawing/2014/main" id="{6C33E1F7-22BD-8B24-BCBA-0B0B75EE965D}"/>
               </a:ext>
             </a:extLst>
           </p:cNvPr>
@@ -4172,30 +3935,267 @@
             <p:ph idx="1"/>
           </p:nvPr>
         </p:nvSpPr>
-        <p:spPr/>
-        <p:txBody>
-          <a:bodyPr/>
-          <a:lstStyle/>
-          <a:p>
-            <a:r>
-              <a:rPr lang="zh-TW" altLang="en-US" dirty="0"/>
-              <a:t>物件導向 </a:t>
-            </a:r>
-            <a:r>
-              <a:rPr lang="en-US" altLang="zh-TW" dirty="0"/>
-              <a:t>VS </a:t>
-            </a:r>
-            <a:r>
-              <a:rPr lang="zh-TW" altLang="en-US" dirty="0"/>
+        <p:spPr>
+          <a:xfrm>
+            <a:off x="838200" y="1317624"/>
+            <a:ext cx="10515600" cy="4976737"/>
+          </a:xfrm>
+        </p:spPr>
+        <p:txBody>
+          <a:bodyPr>
+            <a:normAutofit lnSpcReduction="10000"/>
+          </a:bodyPr>
+          <a:lstStyle/>
+          <a:p>
+            <a:r>
+              <a:rPr lang="en-US" altLang="zh-TW" sz="2000" dirty="0"/>
+              <a:t>LIST : </a:t>
+            </a:r>
+            <a:r>
+              <a:rPr lang="en-US" altLang="zh-TW" sz="2000" dirty="0">
+                <a:hlinkClick r:id="rId2"/>
+              </a:rPr>
+              <a:t>https://blog.csdn.net/weixin_44996090/article/details/135438369</a:t>
+            </a:r>
+            <a:endParaRPr lang="en-US" altLang="zh-TW" sz="2000" dirty="0"/>
+          </a:p>
+          <a:p>
+            <a:r>
+              <a:rPr lang="zh-TW" altLang="en-US" sz="2000" dirty="0"/>
+              <a:t>快樂數</a:t>
+            </a:r>
+            <a:endParaRPr lang="en-US" altLang="zh-TW" sz="2000" dirty="0"/>
+          </a:p>
+          <a:p>
+            <a:pPr marL="0" indent="0">
+              <a:buNone/>
+            </a:pPr>
+            <a:r>
+              <a:rPr lang="en-US" altLang="zh-TW" sz="2000" dirty="0">
+                <a:hlinkClick r:id="rId3"/>
+              </a:rPr>
+              <a:t>https://zh.wikipedia.org/zh-tw/%E5%BF%AB%E6%A8%82%E6%95%B8</a:t>
+            </a:r>
+            <a:endParaRPr lang="en-US" altLang="zh-TW" sz="2000" dirty="0"/>
+          </a:p>
+          <a:p>
+            <a:pPr marL="0" indent="0">
+              <a:buNone/>
+            </a:pPr>
+            <a:r>
+              <a:rPr lang="zh-TW" altLang="en-US" sz="2000" dirty="0"/>
+              <a:t>不用字串</a:t>
+            </a:r>
+            <a:r>
+              <a:rPr lang="en-US" altLang="zh-TW" sz="2000" dirty="0"/>
+              <a:t>&amp;</a:t>
+            </a:r>
+            <a:r>
+              <a:rPr lang="zh-TW" altLang="en-US" sz="2000" dirty="0"/>
+              <a:t>用字串兩種方式實作</a:t>
+            </a:r>
+          </a:p>
+          <a:p>
+            <a:endParaRPr lang="en-US" altLang="zh-TW" sz="2000" dirty="0"/>
+          </a:p>
+          <a:p>
+            <a:r>
+              <a:rPr lang="zh-TW" altLang="en-US" sz="2000" dirty="0"/>
               <a:t>功能拆分</a:t>
             </a:r>
+            <a:r>
+              <a:rPr lang="en-US" altLang="zh-TW" sz="2000" dirty="0"/>
+              <a:t>:</a:t>
+            </a:r>
+          </a:p>
+          <a:p>
+            <a:pPr marL="0" indent="0">
+              <a:buNone/>
+            </a:pPr>
+            <a:r>
+              <a:rPr lang="en-US" altLang="zh-TW" sz="2000" dirty="0"/>
+              <a:t>1.</a:t>
+            </a:r>
+            <a:r>
+              <a:rPr lang="zh-TW" altLang="en-US" sz="2000" dirty="0"/>
+              <a:t>遍歷每一個位數</a:t>
+            </a:r>
+            <a:r>
+              <a:rPr lang="en-US" altLang="zh-TW" sz="2000" dirty="0"/>
+              <a:t>(</a:t>
+            </a:r>
+            <a:r>
+              <a:rPr lang="zh-TW" altLang="en-US" sz="2000" dirty="0"/>
+              <a:t>字串 </a:t>
+            </a:r>
+            <a:r>
+              <a:rPr lang="en-US" altLang="zh-TW" sz="2000" dirty="0"/>
+              <a:t>or </a:t>
+            </a:r>
+            <a:r>
+              <a:rPr lang="zh-TW" altLang="en-US" sz="2000" dirty="0"/>
+              <a:t>數字</a:t>
+            </a:r>
+            <a:r>
+              <a:rPr lang="en-US" altLang="zh-TW" sz="2000" dirty="0"/>
+              <a:t>)</a:t>
+            </a:r>
+            <a:r>
+              <a:rPr lang="zh-TW" altLang="en-US" sz="2000" dirty="0"/>
+              <a:t>，儲存為一個字元矩陣或 </a:t>
+            </a:r>
+            <a:r>
+              <a:rPr lang="en-US" altLang="zh-TW" sz="2000" dirty="0"/>
+              <a:t>int </a:t>
+            </a:r>
+            <a:r>
+              <a:rPr lang="zh-TW" altLang="en-US" sz="2000" dirty="0"/>
+              <a:t>矩陣</a:t>
+            </a:r>
+            <a:endParaRPr lang="en-US" altLang="zh-TW" sz="2000" dirty="0"/>
+          </a:p>
+          <a:p>
+            <a:pPr marL="0" indent="0">
+              <a:buNone/>
+            </a:pPr>
+            <a:r>
+              <a:rPr lang="en-US" altLang="zh-TW" sz="2000" dirty="0"/>
+              <a:t>2.</a:t>
+            </a:r>
+            <a:r>
+              <a:rPr lang="zh-TW" altLang="en-US" sz="2000" dirty="0"/>
+              <a:t>迴圈 </a:t>
+            </a:r>
+            <a:r>
+              <a:rPr lang="en-US" altLang="zh-TW" sz="2000" dirty="0"/>
+              <a:t>:</a:t>
+            </a:r>
+            <a:r>
+              <a:rPr lang="zh-TW" altLang="en-US" sz="2000" dirty="0"/>
+              <a:t> 把矩陣內的每一位數平方相加。 跳出條件 </a:t>
+            </a:r>
+            <a:r>
+              <a:rPr lang="en-US" altLang="zh-TW" sz="2000" dirty="0"/>
+              <a:t>:</a:t>
+            </a:r>
+            <a:r>
+              <a:rPr lang="zh-TW" altLang="en-US" sz="2000" dirty="0"/>
+              <a:t>判斷為快樂數</a:t>
+            </a:r>
+            <a:r>
+              <a:rPr lang="en-US" altLang="zh-TW" sz="2000" dirty="0"/>
+              <a:t>(</a:t>
+            </a:r>
+            <a:r>
+              <a:rPr lang="zh-TW" altLang="en-US" sz="2000" dirty="0"/>
+              <a:t>出現</a:t>
+            </a:r>
+            <a:r>
+              <a:rPr lang="en-US" altLang="zh-TW" sz="2000" dirty="0"/>
+              <a:t>1)</a:t>
+            </a:r>
+            <a:r>
+              <a:rPr lang="zh-TW" altLang="en-US" sz="2000" dirty="0"/>
+              <a:t>或出現重複結果</a:t>
+            </a:r>
+            <a:r>
+              <a:rPr lang="en-US" altLang="zh-TW" sz="2000" dirty="0"/>
+              <a:t>(</a:t>
+            </a:r>
+            <a:r>
+              <a:rPr lang="zh-TW" altLang="en-US" sz="2000" dirty="0"/>
+              <a:t>出現</a:t>
+            </a:r>
+            <a:r>
+              <a:rPr lang="en-US" altLang="zh-TW" sz="2000" dirty="0"/>
+              <a:t>4)</a:t>
+            </a:r>
+            <a:r>
+              <a:rPr lang="zh-TW" altLang="en-US" sz="2000" dirty="0"/>
+              <a:t>。</a:t>
+            </a:r>
+            <a:endParaRPr lang="en-US" altLang="zh-TW" sz="2000" dirty="0"/>
+          </a:p>
+          <a:p>
+            <a:pPr marL="0" indent="0">
+              <a:buNone/>
+            </a:pPr>
+            <a:r>
+              <a:rPr lang="en-US" altLang="zh-TW" sz="2000" dirty="0"/>
+              <a:t>10012356489.</a:t>
+            </a:r>
+          </a:p>
+          <a:p>
+            <a:pPr marL="0" indent="0">
+              <a:buNone/>
+            </a:pPr>
+            <a:r>
+              <a:rPr lang="en-US" altLang="zh-TW" sz="2000" dirty="0"/>
+              <a:t>1.mod10</a:t>
+            </a:r>
+          </a:p>
+          <a:p>
+            <a:pPr marL="0" indent="0">
+              <a:buNone/>
+            </a:pPr>
+            <a:r>
+              <a:rPr lang="en-US" altLang="zh-TW" sz="2000" dirty="0"/>
+              <a:t>2.</a:t>
+            </a:r>
+            <a:r>
+              <a:rPr lang="zh-TW" altLang="en-US" sz="2000" dirty="0"/>
+              <a:t>原結果</a:t>
+            </a:r>
+            <a:r>
+              <a:rPr lang="en-US" altLang="zh-TW" sz="2000" dirty="0"/>
+              <a:t>-</a:t>
+            </a:r>
+            <a:r>
+              <a:rPr lang="zh-TW" altLang="en-US" sz="2000" dirty="0"/>
+              <a:t> </a:t>
+            </a:r>
+            <a:r>
+              <a:rPr lang="en-US" altLang="zh-TW" sz="2000" dirty="0"/>
+              <a:t>Mod </a:t>
+            </a:r>
+            <a:r>
+              <a:rPr lang="zh-TW" altLang="en-US" sz="2000" dirty="0"/>
+              <a:t>後的結果 </a:t>
+            </a:r>
+            <a:r>
+              <a:rPr lang="en-US" altLang="zh-TW" sz="2000" dirty="0"/>
+              <a:t>=&gt;</a:t>
+            </a:r>
+            <a:r>
+              <a:rPr lang="zh-TW" altLang="en-US" sz="2000" dirty="0"/>
+              <a:t> </a:t>
+            </a:r>
+            <a:r>
+              <a:rPr lang="en-US" altLang="zh-TW" sz="2000" dirty="0"/>
+              <a:t>12356480</a:t>
+            </a:r>
+          </a:p>
+          <a:p>
+            <a:pPr marL="0" indent="0">
+              <a:buNone/>
+            </a:pPr>
+            <a:r>
+              <a:rPr lang="en-US" altLang="zh-TW" sz="2000" dirty="0"/>
+              <a:t>3./10=1235648</a:t>
+            </a:r>
+          </a:p>
+          <a:p>
+            <a:pPr marL="0" indent="0">
+              <a:buNone/>
+            </a:pPr>
+            <a:endParaRPr lang="en-US" altLang="zh-TW" dirty="0"/>
           </a:p>
         </p:txBody>
       </p:sp>
     </p:spTree>
     <p:extLst>
       <p:ext uri="{BB962C8B-B14F-4D97-AF65-F5344CB8AC3E}">
-        <p14:creationId xmlns:p14="http://schemas.microsoft.com/office/powerpoint/2010/main" val="3252217136"/>
+        <p14:creationId xmlns:p14="http://schemas.microsoft.com/office/powerpoint/2010/main" val="2835608531"/>
       </p:ext>
     </p:extLst>
   </p:cSld>
